--- a/trunk/Oral2.pptx
+++ b/trunk/Oral2.pptx
@@ -131,24 +131,12 @@
 
 <file path=ppt/charts/chart1.xml><?xml version="1.0" encoding="utf-8"?>
 <c:chartSpace xmlns:c="http://schemas.openxmlformats.org/drawingml/2006/chart" xmlns:a="http://schemas.openxmlformats.org/drawingml/2006/main" xmlns:r="http://schemas.openxmlformats.org/officeDocument/2006/relationships">
-  <c:date1904 val="0"/>
-  <c:lang val="en-NZ"/>
-  <c:roundedCorners val="0"/>
-  <mc:AlternateContent xmlns:mc="http://schemas.openxmlformats.org/markup-compatibility/2006">
-    <mc:Choice xmlns:c14="http://schemas.microsoft.com/office/drawing/2007/8/2/chart" Requires="c14">
-      <c14:style val="102"/>
-    </mc:Choice>
-    <mc:Fallback>
-      <c:style val="2"/>
-    </mc:Fallback>
-  </mc:AlternateContent>
+  <c:lang val="en-US"/>
   <c:chart>
-    <c:autoTitleDeleted val="0"/>
     <c:plotArea>
       <c:layout/>
       <c:scatterChart>
         <c:scatterStyle val="smoothMarker"/>
-        <c:varyColors val="0"/>
         <c:ser>
           <c:idx val="0"/>
           <c:order val="0"/>
@@ -173,13 +161,13 @@
                   <c:v>0</c:v>
                 </c:pt>
                 <c:pt idx="1">
-                  <c:v>0.31100000000000011</c:v>
+                  <c:v>0.31100000000000017</c:v>
                 </c:pt>
                 <c:pt idx="2">
                   <c:v>0.52</c:v>
                 </c:pt>
                 <c:pt idx="3">
-                  <c:v>0.75200000000000022</c:v>
+                  <c:v>0.75200000000000033</c:v>
                 </c:pt>
                 <c:pt idx="4">
                   <c:v>0.99099999999999999</c:v>
@@ -191,7 +179,7 @@
                   <c:v>1.486</c:v>
                 </c:pt>
                 <c:pt idx="7">
-                  <c:v>1.7260000000000004</c:v>
+                  <c:v>1.7260000000000006</c:v>
                 </c:pt>
                 <c:pt idx="8">
                   <c:v>1.97</c:v>
@@ -218,10 +206,10 @@
                   <c:v>3.6359999999999997</c:v>
                 </c:pt>
                 <c:pt idx="16">
-                  <c:v>3.855999999999999</c:v>
+                  <c:v>3.8559999999999985</c:v>
                 </c:pt>
                 <c:pt idx="17">
-                  <c:v>4.1049999999999986</c:v>
+                  <c:v>4.1049999999999978</c:v>
                 </c:pt>
                 <c:pt idx="18">
                   <c:v>4.3339999999999996</c:v>
@@ -248,16 +236,16 @@
                   <c:v>1.9344200000000002E-2</c:v>
                 </c:pt>
                 <c:pt idx="2">
-                  <c:v>5.4080000000000031E-2</c:v>
+                  <c:v>5.4080000000000038E-2</c:v>
                 </c:pt>
                 <c:pt idx="3">
-                  <c:v>0.11310080000000003</c:v>
+                  <c:v>0.11310080000000004</c:v>
                 </c:pt>
                 <c:pt idx="4">
-                  <c:v>0.1964162000000001</c:v>
+                  <c:v>0.19641620000000018</c:v>
                 </c:pt>
                 <c:pt idx="5">
-                  <c:v>0.31550720000000015</c:v>
+                  <c:v>0.31550720000000021</c:v>
                 </c:pt>
                 <c:pt idx="6">
                   <c:v>0.44163920000000001</c:v>
@@ -269,13 +257,13 @@
                   <c:v>0.77617999999999998</c:v>
                 </c:pt>
                 <c:pt idx="9">
-                  <c:v>0.97593619999999992</c:v>
+                  <c:v>0.9759361999999997</c:v>
                 </c:pt>
                 <c:pt idx="10">
                   <c:v>1.2122888000000001</c:v>
                 </c:pt>
                 <c:pt idx="11">
-                  <c:v>1.4558407999999996</c:v>
+                  <c:v>1.4558407999999994</c:v>
                 </c:pt>
                 <c:pt idx="12">
                   <c:v>1.7158081999999997</c:v>
@@ -284,7 +272,7 @@
                   <c:v>2.0059778000000001</c:v>
                 </c:pt>
                 <c:pt idx="14">
-                  <c:v>2.3228927999999991</c:v>
+                  <c:v>2.3228927999999986</c:v>
                 </c:pt>
                 <c:pt idx="15">
                   <c:v>2.6440992000000012</c:v>
@@ -293,13 +281,13 @@
                   <c:v>2.9737471999999987</c:v>
                 </c:pt>
                 <c:pt idx="17">
-                  <c:v>3.3702049999999999</c:v>
+                  <c:v>3.3702049999999995</c:v>
                 </c:pt>
                 <c:pt idx="18">
                   <c:v>3.7567111999999994</c:v>
                 </c:pt>
                 <c:pt idx="19">
-                  <c:v>4.1223199999999975</c:v>
+                  <c:v>4.1223199999999967</c:v>
                 </c:pt>
                 <c:pt idx="20">
                   <c:v>4.5391392000000002</c:v>
@@ -333,52 +321,52 @@
                   <c:v>0</c:v>
                 </c:pt>
                 <c:pt idx="1">
-                  <c:v>0.29300000000000009</c:v>
+                  <c:v>0.29300000000000015</c:v>
                 </c:pt>
                 <c:pt idx="2">
                   <c:v>0.501</c:v>
                 </c:pt>
                 <c:pt idx="3">
-                  <c:v>0.73400000000000021</c:v>
+                  <c:v>0.73400000000000032</c:v>
                 </c:pt>
                 <c:pt idx="4">
-                  <c:v>0.96300000000000019</c:v>
+                  <c:v>0.9630000000000003</c:v>
                 </c:pt>
                 <c:pt idx="5">
                   <c:v>1.2</c:v>
                 </c:pt>
                 <c:pt idx="6">
-                  <c:v>1.4389999999999996</c:v>
+                  <c:v>1.4389999999999994</c:v>
                 </c:pt>
                 <c:pt idx="7">
                   <c:v>1.6600000000000001</c:v>
                 </c:pt>
                 <c:pt idx="8">
-                  <c:v>1.9029999999999996</c:v>
+                  <c:v>1.9029999999999994</c:v>
                 </c:pt>
                 <c:pt idx="9">
                   <c:v>2.1389999999999998</c:v>
                 </c:pt>
                 <c:pt idx="10">
-                  <c:v>2.3749999999999991</c:v>
+                  <c:v>2.3749999999999987</c:v>
                 </c:pt>
                 <c:pt idx="11">
                   <c:v>2.609</c:v>
                 </c:pt>
                 <c:pt idx="12">
-                  <c:v>2.8499999999999992</c:v>
+                  <c:v>2.8499999999999988</c:v>
                 </c:pt>
                 <c:pt idx="13">
                   <c:v>3.1</c:v>
                 </c:pt>
                 <c:pt idx="14">
-                  <c:v>3.3389999999999991</c:v>
+                  <c:v>3.3389999999999986</c:v>
                 </c:pt>
                 <c:pt idx="15">
                   <c:v>3.56</c:v>
                 </c:pt>
                 <c:pt idx="16">
-                  <c:v>3.8169999999999993</c:v>
+                  <c:v>3.8169999999999988</c:v>
                 </c:pt>
                 <c:pt idx="17">
                   <c:v>4.0439999999999996</c:v>
@@ -390,7 +378,7 @@
                   <c:v>4.5419999999999998</c:v>
                 </c:pt>
                 <c:pt idx="20">
-                  <c:v>4.7629999999999981</c:v>
+                  <c:v>4.7629999999999972</c:v>
                 </c:pt>
               </c:numCache>
             </c:numRef>
@@ -414,7 +402,7 @@
                   <c:v>0.53875600000000001</c:v>
                 </c:pt>
                 <c:pt idx="4">
-                  <c:v>0.92736899999999967</c:v>
+                  <c:v>0.92736899999999955</c:v>
                 </c:pt>
                 <c:pt idx="5">
                   <c:v>1.44</c:v>
@@ -426,7 +414,7 @@
                   <c:v>2.7555999999999998</c:v>
                 </c:pt>
                 <c:pt idx="8">
-                  <c:v>3.621408999999999</c:v>
+                  <c:v>3.6214089999999985</c:v>
                 </c:pt>
                 <c:pt idx="9">
                   <c:v>4.5753209999999989</c:v>
@@ -435,7 +423,7 @@
                   <c:v>5.640625</c:v>
                 </c:pt>
                 <c:pt idx="11">
-                  <c:v>6.806880999999998</c:v>
+                  <c:v>6.8068809999999971</c:v>
                 </c:pt>
                 <c:pt idx="12">
                   <c:v>8.1225000000000005</c:v>
@@ -444,22 +432,22 @@
                   <c:v>9.6100000000000012</c:v>
                 </c:pt>
                 <c:pt idx="14">
-                  <c:v>11.148920999999994</c:v>
+                  <c:v>11.148920999999993</c:v>
                 </c:pt>
                 <c:pt idx="15">
                   <c:v>12.6736</c:v>
                 </c:pt>
                 <c:pt idx="16">
-                  <c:v>14.569489000000006</c:v>
+                  <c:v>14.569489000000008</c:v>
                 </c:pt>
                 <c:pt idx="17">
                   <c:v>16.353935999999997</c:v>
                 </c:pt>
                 <c:pt idx="18">
-                  <c:v>18.550248999999997</c:v>
+                  <c:v>18.550248999999994</c:v>
                 </c:pt>
                 <c:pt idx="19">
-                  <c:v>20.629763999999991</c:v>
+                  <c:v>20.629763999999987</c:v>
                 </c:pt>
                 <c:pt idx="20">
                   <c:v>22.686169</c:v>
@@ -496,13 +484,13 @@
                   <c:v>0.2</c:v>
                 </c:pt>
                 <c:pt idx="2">
-                  <c:v>0.42300000000000015</c:v>
+                  <c:v>0.42300000000000021</c:v>
                 </c:pt>
                 <c:pt idx="3">
-                  <c:v>0.64500000000000024</c:v>
+                  <c:v>0.64500000000000035</c:v>
                 </c:pt>
                 <c:pt idx="4">
-                  <c:v>0.86900000000000022</c:v>
+                  <c:v>0.86900000000000033</c:v>
                 </c:pt>
                 <c:pt idx="5">
                   <c:v>1.0980000000000001</c:v>
@@ -511,7 +499,7 @@
                   <c:v>1.333</c:v>
                 </c:pt>
                 <c:pt idx="7">
-                  <c:v>1.5509999999999995</c:v>
+                  <c:v>1.5509999999999993</c:v>
                 </c:pt>
                 <c:pt idx="8">
                   <c:v>1.7709999999999999</c:v>
@@ -529,7 +517,7 @@
                   <c:v>2.6880000000000002</c:v>
                 </c:pt>
                 <c:pt idx="13">
-                  <c:v>2.911999999999999</c:v>
+                  <c:v>2.9119999999999986</c:v>
                 </c:pt>
                 <c:pt idx="14">
                   <c:v>3.14</c:v>
@@ -544,7 +532,7 @@
                   <c:v>3.8079999999999998</c:v>
                 </c:pt>
                 <c:pt idx="18">
-                  <c:v>4.017999999999998</c:v>
+                  <c:v>4.0179999999999971</c:v>
                 </c:pt>
                 <c:pt idx="19">
                   <c:v>4.24</c:v>
@@ -565,19 +553,19 @@
                   <c:v>0</c:v>
                 </c:pt>
                 <c:pt idx="1">
-                  <c:v>8.0000000000000057E-2</c:v>
+                  <c:v>8.0000000000000071E-2</c:v>
                 </c:pt>
                 <c:pt idx="2">
-                  <c:v>0.35785800000000012</c:v>
+                  <c:v>0.35785800000000018</c:v>
                 </c:pt>
                 <c:pt idx="3">
-                  <c:v>0.83205000000000029</c:v>
+                  <c:v>0.8320500000000004</c:v>
                 </c:pt>
                 <c:pt idx="4">
-                  <c:v>1.5103219999999995</c:v>
+                  <c:v>1.5103219999999993</c:v>
                 </c:pt>
                 <c:pt idx="5">
-                  <c:v>2.4112079999999989</c:v>
+                  <c:v>2.4112079999999985</c:v>
                 </c:pt>
                 <c:pt idx="6">
                   <c:v>3.5537779999999999</c:v>
@@ -586,7 +574,7 @@
                   <c:v>4.8112019999999998</c:v>
                 </c:pt>
                 <c:pt idx="8">
-                  <c:v>6.2728819999999974</c:v>
+                  <c:v>6.2728819999999965</c:v>
                 </c:pt>
                 <c:pt idx="9">
                   <c:v>8.0160080000000011</c:v>
@@ -595,10 +583,10 @@
                   <c:v>9.9101520000000001</c:v>
                 </c:pt>
                 <c:pt idx="11">
-                  <c:v>11.985408000000003</c:v>
+                  <c:v>11.985408000000005</c:v>
                 </c:pt>
                 <c:pt idx="12">
-                  <c:v>14.450688000000005</c:v>
+                  <c:v>14.450688000000007</c:v>
                 </c:pt>
                 <c:pt idx="13">
                   <c:v>16.959488</c:v>
@@ -607,10 +595,10 @@
                   <c:v>19.719200000000001</c:v>
                 </c:pt>
                 <c:pt idx="15">
-                  <c:v>22.57919999999999</c:v>
+                  <c:v>22.579199999999986</c:v>
                 </c:pt>
                 <c:pt idx="16">
-                  <c:v>25.632800000000007</c:v>
+                  <c:v>25.63280000000001</c:v>
                 </c:pt>
                 <c:pt idx="17">
                   <c:v>29.001727999999989</c:v>
@@ -629,23 +617,15 @@
           </c:yVal>
           <c:smooth val="1"/>
         </c:ser>
-        <c:dLbls>
-          <c:showLegendKey val="0"/>
-          <c:showVal val="0"/>
-          <c:showCatName val="0"/>
-          <c:showSerName val="0"/>
-          <c:showPercent val="0"/>
-          <c:showBubbleSize val="0"/>
-        </c:dLbls>
-        <c:axId val="115770112"/>
-        <c:axId val="115772032"/>
+        <c:dLbls/>
+        <c:axId val="79739520"/>
+        <c:axId val="79823616"/>
       </c:scatterChart>
       <c:valAx>
-        <c:axId val="115770112"/>
+        <c:axId val="79739520"/>
         <c:scaling>
           <c:orientation val="minMax"/>
         </c:scaling>
-        <c:delete val="0"/>
         <c:axPos val="b"/>
         <c:title>
           <c:tx>
@@ -664,11 +644,8 @@
             </c:rich>
           </c:tx>
           <c:layout/>
-          <c:overlay val="0"/>
         </c:title>
         <c:numFmt formatCode="0.000" sourceLinked="1"/>
-        <c:majorTickMark val="out"/>
-        <c:minorTickMark val="none"/>
         <c:tickLblPos val="nextTo"/>
         <c:txPr>
           <a:bodyPr/>
@@ -680,17 +657,16 @@
             <a:endParaRPr lang="en-US"/>
           </a:p>
         </c:txPr>
-        <c:crossAx val="115772032"/>
+        <c:crossAx val="79823616"/>
         <c:crosses val="autoZero"/>
         <c:crossBetween val="midCat"/>
       </c:valAx>
       <c:valAx>
-        <c:axId val="115772032"/>
+        <c:axId val="79823616"/>
         <c:scaling>
           <c:orientation val="minMax"/>
           <c:max val="40"/>
         </c:scaling>
-        <c:delete val="0"/>
         <c:axPos val="l"/>
         <c:majorGridlines/>
         <c:title>
@@ -718,11 +694,8 @@
             </c:rich>
           </c:tx>
           <c:layout/>
-          <c:overlay val="0"/>
         </c:title>
         <c:numFmt formatCode="0.000" sourceLinked="1"/>
-        <c:majorTickMark val="out"/>
-        <c:minorTickMark val="none"/>
         <c:tickLblPos val="nextTo"/>
         <c:txPr>
           <a:bodyPr/>
@@ -734,7 +707,7 @@
             <a:endParaRPr lang="en-US"/>
           </a:p>
         </c:txPr>
-        <c:crossAx val="115770112"/>
+        <c:crossAx val="79739520"/>
         <c:crosses val="autoZero"/>
         <c:crossBetween val="midCat"/>
         <c:majorUnit val="10"/>
@@ -743,7 +716,6 @@
     <c:legend>
       <c:legendPos val="r"/>
       <c:layout/>
-      <c:overlay val="0"/>
       <c:txPr>
         <a:bodyPr/>
         <a:lstStyle/>
@@ -757,16 +729,13 @@
     </c:legend>
     <c:plotVisOnly val="1"/>
     <c:dispBlanksAs val="gap"/>
-    <c:showDLblsOverMax val="0"/>
   </c:chart>
   <c:spPr>
     <a:solidFill>
       <a:schemeClr val="bg1"/>
     </a:solidFill>
   </c:spPr>
-  <c:externalData r:id="rId1">
-    <c:autoUpdate val="0"/>
-  </c:externalData>
+  <c:externalData r:id="rId1"/>
 </c:chartSpace>
 </file>
 
@@ -852,7 +821,8 @@
           <a:p>
             <a:fld id="{B7689678-D9C7-4B66-B498-B0D9ECB213E9}" type="datetimeFigureOut">
               <a:rPr lang="en-NZ" smtClean="0"/>
-              <a:t>15/09/2011</a:t>
+              <a:pPr/>
+              <a:t>19/09/2011</a:t>
             </a:fld>
             <a:endParaRPr lang="en-NZ"/>
           </a:p>
@@ -918,6 +888,7 @@
           <a:p>
             <a:fld id="{700F9A67-60BC-4FAC-A528-B59B7FC4E7C4}" type="slidenum">
               <a:rPr lang="en-NZ" smtClean="0"/>
+              <a:pPr/>
               <a:t>‹#›</a:t>
             </a:fld>
             <a:endParaRPr lang="en-NZ"/>
@@ -927,7 +898,7 @@
     </p:spTree>
     <p:extLst>
       <p:ext uri="{BB962C8B-B14F-4D97-AF65-F5344CB8AC3E}">
-        <p14:creationId xmlns:p14="http://schemas.microsoft.com/office/powerpoint/2010/main" val="1204260739"/>
+        <p14:creationId xmlns:p14="http://schemas.microsoft.com/office/powerpoint/2010/main" xmlns="" val="1204260739"/>
       </p:ext>
     </p:extLst>
   </p:cSld>
@@ -1017,7 +988,8 @@
           <a:p>
             <a:fld id="{FC2020B3-2496-4D4F-8D99-3824C7F062D3}" type="datetimeFigureOut">
               <a:rPr lang="en-NZ" smtClean="0"/>
-              <a:t>15/09/2011</a:t>
+              <a:pPr/>
+              <a:t>19/09/2011</a:t>
             </a:fld>
             <a:endParaRPr lang="en-NZ"/>
           </a:p>
@@ -1176,6 +1148,7 @@
           <a:p>
             <a:fld id="{28043F8F-D576-4961-B2BD-43837E3FEF8C}" type="slidenum">
               <a:rPr lang="en-NZ" smtClean="0"/>
+              <a:pPr/>
               <a:t>‹#›</a:t>
             </a:fld>
             <a:endParaRPr lang="en-NZ"/>
@@ -1185,7 +1158,7 @@
     </p:spTree>
     <p:extLst>
       <p:ext uri="{BB962C8B-B14F-4D97-AF65-F5344CB8AC3E}">
-        <p14:creationId xmlns:p14="http://schemas.microsoft.com/office/powerpoint/2010/main" val="234632398"/>
+        <p14:creationId xmlns:p14="http://schemas.microsoft.com/office/powerpoint/2010/main" xmlns="" val="234632398"/>
       </p:ext>
     </p:extLst>
   </p:cSld>
@@ -1354,6 +1327,7 @@
           <a:p>
             <a:fld id="{28043F8F-D576-4961-B2BD-43837E3FEF8C}" type="slidenum">
               <a:rPr lang="en-NZ" smtClean="0"/>
+              <a:pPr/>
               <a:t>1</a:t>
             </a:fld>
             <a:endParaRPr lang="en-NZ"/>
@@ -1363,7 +1337,7 @@
     </p:spTree>
     <p:extLst>
       <p:ext uri="{BB962C8B-B14F-4D97-AF65-F5344CB8AC3E}">
-        <p14:creationId xmlns:p14="http://schemas.microsoft.com/office/powerpoint/2010/main" val="2488397858"/>
+        <p14:creationId xmlns:p14="http://schemas.microsoft.com/office/powerpoint/2010/main" xmlns="" val="2488397858"/>
       </p:ext>
     </p:extLst>
   </p:cSld>
@@ -1442,6 +1416,7 @@
           <a:p>
             <a:fld id="{28043F8F-D576-4961-B2BD-43837E3FEF8C}" type="slidenum">
               <a:rPr lang="en-NZ" smtClean="0"/>
+              <a:pPr/>
               <a:t>10</a:t>
             </a:fld>
             <a:endParaRPr lang="en-NZ"/>
@@ -1451,7 +1426,7 @@
     </p:spTree>
     <p:extLst>
       <p:ext uri="{BB962C8B-B14F-4D97-AF65-F5344CB8AC3E}">
-        <p14:creationId xmlns:p14="http://schemas.microsoft.com/office/powerpoint/2010/main" val="1594112371"/>
+        <p14:creationId xmlns:p14="http://schemas.microsoft.com/office/powerpoint/2010/main" xmlns="" val="1594112371"/>
       </p:ext>
     </p:extLst>
   </p:cSld>
@@ -1530,6 +1505,7 @@
           <a:p>
             <a:fld id="{28043F8F-D576-4961-B2BD-43837E3FEF8C}" type="slidenum">
               <a:rPr lang="en-NZ" smtClean="0"/>
+              <a:pPr/>
               <a:t>11</a:t>
             </a:fld>
             <a:endParaRPr lang="en-NZ"/>
@@ -1539,7 +1515,7 @@
     </p:spTree>
     <p:extLst>
       <p:ext uri="{BB962C8B-B14F-4D97-AF65-F5344CB8AC3E}">
-        <p14:creationId xmlns:p14="http://schemas.microsoft.com/office/powerpoint/2010/main" val="3426493478"/>
+        <p14:creationId xmlns:p14="http://schemas.microsoft.com/office/powerpoint/2010/main" xmlns="" val="3426493478"/>
       </p:ext>
     </p:extLst>
   </p:cSld>
@@ -1618,6 +1594,7 @@
           <a:p>
             <a:fld id="{28043F8F-D576-4961-B2BD-43837E3FEF8C}" type="slidenum">
               <a:rPr lang="en-NZ" smtClean="0"/>
+              <a:pPr/>
               <a:t>12</a:t>
             </a:fld>
             <a:endParaRPr lang="en-NZ"/>
@@ -1627,7 +1604,7 @@
     </p:spTree>
     <p:extLst>
       <p:ext uri="{BB962C8B-B14F-4D97-AF65-F5344CB8AC3E}">
-        <p14:creationId xmlns:p14="http://schemas.microsoft.com/office/powerpoint/2010/main" val="3319805661"/>
+        <p14:creationId xmlns:p14="http://schemas.microsoft.com/office/powerpoint/2010/main" xmlns="" val="3319805661"/>
       </p:ext>
     </p:extLst>
   </p:cSld>
@@ -1706,6 +1683,7 @@
           <a:p>
             <a:fld id="{28043F8F-D576-4961-B2BD-43837E3FEF8C}" type="slidenum">
               <a:rPr lang="en-NZ" smtClean="0"/>
+              <a:pPr/>
               <a:t>13</a:t>
             </a:fld>
             <a:endParaRPr lang="en-NZ"/>
@@ -1715,7 +1693,7 @@
     </p:spTree>
     <p:extLst>
       <p:ext uri="{BB962C8B-B14F-4D97-AF65-F5344CB8AC3E}">
-        <p14:creationId xmlns:p14="http://schemas.microsoft.com/office/powerpoint/2010/main" val="179781077"/>
+        <p14:creationId xmlns:p14="http://schemas.microsoft.com/office/powerpoint/2010/main" xmlns="" val="179781077"/>
       </p:ext>
     </p:extLst>
   </p:cSld>
@@ -1794,6 +1772,7 @@
           <a:p>
             <a:fld id="{28043F8F-D576-4961-B2BD-43837E3FEF8C}" type="slidenum">
               <a:rPr lang="en-NZ" smtClean="0"/>
+              <a:pPr/>
               <a:t>14</a:t>
             </a:fld>
             <a:endParaRPr lang="en-NZ"/>
@@ -1803,7 +1782,7 @@
     </p:spTree>
     <p:extLst>
       <p:ext uri="{BB962C8B-B14F-4D97-AF65-F5344CB8AC3E}">
-        <p14:creationId xmlns:p14="http://schemas.microsoft.com/office/powerpoint/2010/main" val="2958126474"/>
+        <p14:creationId xmlns:p14="http://schemas.microsoft.com/office/powerpoint/2010/main" xmlns="" val="2958126474"/>
       </p:ext>
     </p:extLst>
   </p:cSld>
@@ -1882,6 +1861,7 @@
           <a:p>
             <a:fld id="{28043F8F-D576-4961-B2BD-43837E3FEF8C}" type="slidenum">
               <a:rPr lang="en-NZ" smtClean="0"/>
+              <a:pPr/>
               <a:t>15</a:t>
             </a:fld>
             <a:endParaRPr lang="en-NZ"/>
@@ -1891,7 +1871,7 @@
     </p:spTree>
     <p:extLst>
       <p:ext uri="{BB962C8B-B14F-4D97-AF65-F5344CB8AC3E}">
-        <p14:creationId xmlns:p14="http://schemas.microsoft.com/office/powerpoint/2010/main" val="1178006231"/>
+        <p14:creationId xmlns:p14="http://schemas.microsoft.com/office/powerpoint/2010/main" xmlns="" val="1178006231"/>
       </p:ext>
     </p:extLst>
   </p:cSld>
@@ -1970,6 +1950,7 @@
           <a:p>
             <a:fld id="{28043F8F-D576-4961-B2BD-43837E3FEF8C}" type="slidenum">
               <a:rPr lang="en-NZ" smtClean="0"/>
+              <a:pPr/>
               <a:t>16</a:t>
             </a:fld>
             <a:endParaRPr lang="en-NZ"/>
@@ -1979,7 +1960,7 @@
     </p:spTree>
     <p:extLst>
       <p:ext uri="{BB962C8B-B14F-4D97-AF65-F5344CB8AC3E}">
-        <p14:creationId xmlns:p14="http://schemas.microsoft.com/office/powerpoint/2010/main" val="297284571"/>
+        <p14:creationId xmlns:p14="http://schemas.microsoft.com/office/powerpoint/2010/main" xmlns="" val="297284571"/>
       </p:ext>
     </p:extLst>
   </p:cSld>
@@ -2058,6 +2039,7 @@
           <a:p>
             <a:fld id="{28043F8F-D576-4961-B2BD-43837E3FEF8C}" type="slidenum">
               <a:rPr lang="en-NZ" smtClean="0"/>
+              <a:pPr/>
               <a:t>2</a:t>
             </a:fld>
             <a:endParaRPr lang="en-NZ"/>
@@ -2067,7 +2049,7 @@
     </p:spTree>
     <p:extLst>
       <p:ext uri="{BB962C8B-B14F-4D97-AF65-F5344CB8AC3E}">
-        <p14:creationId xmlns:p14="http://schemas.microsoft.com/office/powerpoint/2010/main" val="320500377"/>
+        <p14:creationId xmlns:p14="http://schemas.microsoft.com/office/powerpoint/2010/main" xmlns="" val="320500377"/>
       </p:ext>
     </p:extLst>
   </p:cSld>
@@ -2146,6 +2128,7 @@
           <a:p>
             <a:fld id="{28043F8F-D576-4961-B2BD-43837E3FEF8C}" type="slidenum">
               <a:rPr lang="en-NZ" smtClean="0"/>
+              <a:pPr/>
               <a:t>3</a:t>
             </a:fld>
             <a:endParaRPr lang="en-NZ"/>
@@ -2155,7 +2138,7 @@
     </p:spTree>
     <p:extLst>
       <p:ext uri="{BB962C8B-B14F-4D97-AF65-F5344CB8AC3E}">
-        <p14:creationId xmlns:p14="http://schemas.microsoft.com/office/powerpoint/2010/main" val="1075824"/>
+        <p14:creationId xmlns:p14="http://schemas.microsoft.com/office/powerpoint/2010/main" xmlns="" val="1075824"/>
       </p:ext>
     </p:extLst>
   </p:cSld>
@@ -2234,6 +2217,7 @@
           <a:p>
             <a:fld id="{28043F8F-D576-4961-B2BD-43837E3FEF8C}" type="slidenum">
               <a:rPr lang="en-NZ" smtClean="0"/>
+              <a:pPr/>
               <a:t>4</a:t>
             </a:fld>
             <a:endParaRPr lang="en-NZ"/>
@@ -2243,7 +2227,7 @@
     </p:spTree>
     <p:extLst>
       <p:ext uri="{BB962C8B-B14F-4D97-AF65-F5344CB8AC3E}">
-        <p14:creationId xmlns:p14="http://schemas.microsoft.com/office/powerpoint/2010/main" val="973293623"/>
+        <p14:creationId xmlns:p14="http://schemas.microsoft.com/office/powerpoint/2010/main" xmlns="" val="973293623"/>
       </p:ext>
     </p:extLst>
   </p:cSld>
@@ -2322,6 +2306,7 @@
           <a:p>
             <a:fld id="{28043F8F-D576-4961-B2BD-43837E3FEF8C}" type="slidenum">
               <a:rPr lang="en-NZ" smtClean="0"/>
+              <a:pPr/>
               <a:t>5</a:t>
             </a:fld>
             <a:endParaRPr lang="en-NZ"/>
@@ -2331,7 +2316,7 @@
     </p:spTree>
     <p:extLst>
       <p:ext uri="{BB962C8B-B14F-4D97-AF65-F5344CB8AC3E}">
-        <p14:creationId xmlns:p14="http://schemas.microsoft.com/office/powerpoint/2010/main" val="403390558"/>
+        <p14:creationId xmlns:p14="http://schemas.microsoft.com/office/powerpoint/2010/main" xmlns="" val="403390558"/>
       </p:ext>
     </p:extLst>
   </p:cSld>
@@ -2410,6 +2395,7 @@
           <a:p>
             <a:fld id="{28043F8F-D576-4961-B2BD-43837E3FEF8C}" type="slidenum">
               <a:rPr lang="en-NZ" smtClean="0"/>
+              <a:pPr/>
               <a:t>6</a:t>
             </a:fld>
             <a:endParaRPr lang="en-NZ"/>
@@ -2419,7 +2405,7 @@
     </p:spTree>
     <p:extLst>
       <p:ext uri="{BB962C8B-B14F-4D97-AF65-F5344CB8AC3E}">
-        <p14:creationId xmlns:p14="http://schemas.microsoft.com/office/powerpoint/2010/main" val="3934879147"/>
+        <p14:creationId xmlns:p14="http://schemas.microsoft.com/office/powerpoint/2010/main" xmlns="" val="3934879147"/>
       </p:ext>
     </p:extLst>
   </p:cSld>
@@ -2498,6 +2484,7 @@
           <a:p>
             <a:fld id="{28043F8F-D576-4961-B2BD-43837E3FEF8C}" type="slidenum">
               <a:rPr lang="en-NZ" smtClean="0"/>
+              <a:pPr/>
               <a:t>7</a:t>
             </a:fld>
             <a:endParaRPr lang="en-NZ"/>
@@ -2507,7 +2494,7 @@
     </p:spTree>
     <p:extLst>
       <p:ext uri="{BB962C8B-B14F-4D97-AF65-F5344CB8AC3E}">
-        <p14:creationId xmlns:p14="http://schemas.microsoft.com/office/powerpoint/2010/main" val="1250733421"/>
+        <p14:creationId xmlns:p14="http://schemas.microsoft.com/office/powerpoint/2010/main" xmlns="" val="1250733421"/>
       </p:ext>
     </p:extLst>
   </p:cSld>
@@ -2586,6 +2573,7 @@
           <a:p>
             <a:fld id="{28043F8F-D576-4961-B2BD-43837E3FEF8C}" type="slidenum">
               <a:rPr lang="en-NZ" smtClean="0"/>
+              <a:pPr/>
               <a:t>8</a:t>
             </a:fld>
             <a:endParaRPr lang="en-NZ"/>
@@ -2595,7 +2583,7 @@
     </p:spTree>
     <p:extLst>
       <p:ext uri="{BB962C8B-B14F-4D97-AF65-F5344CB8AC3E}">
-        <p14:creationId xmlns:p14="http://schemas.microsoft.com/office/powerpoint/2010/main" val="1871039584"/>
+        <p14:creationId xmlns:p14="http://schemas.microsoft.com/office/powerpoint/2010/main" xmlns="" val="1871039584"/>
       </p:ext>
     </p:extLst>
   </p:cSld>
@@ -2674,6 +2662,7 @@
           <a:p>
             <a:fld id="{28043F8F-D576-4961-B2BD-43837E3FEF8C}" type="slidenum">
               <a:rPr lang="en-NZ" smtClean="0"/>
+              <a:pPr/>
               <a:t>9</a:t>
             </a:fld>
             <a:endParaRPr lang="en-NZ"/>
@@ -2683,7 +2672,7 @@
     </p:spTree>
     <p:extLst>
       <p:ext uri="{BB962C8B-B14F-4D97-AF65-F5344CB8AC3E}">
-        <p14:creationId xmlns:p14="http://schemas.microsoft.com/office/powerpoint/2010/main" val="447371240"/>
+        <p14:creationId xmlns:p14="http://schemas.microsoft.com/office/powerpoint/2010/main" xmlns="" val="447371240"/>
       </p:ext>
     </p:extLst>
   </p:cSld>
@@ -2881,7 +2870,7 @@
                 </a:solidFill>
               </a:rPr>
               <a:pPr/>
-              <a:t>9/15/2011</a:t>
+              <a:t>9/19/2011</a:t>
             </a:fld>
             <a:endParaRPr lang="en-US">
               <a:solidFill>
@@ -2957,7 +2946,7 @@
     </p:spTree>
     <p:extLst>
       <p:ext uri="{BB962C8B-B14F-4D97-AF65-F5344CB8AC3E}">
-        <p14:creationId xmlns:p14="http://schemas.microsoft.com/office/powerpoint/2010/main" val="1053039674"/>
+        <p14:creationId xmlns:p14="http://schemas.microsoft.com/office/powerpoint/2010/main" xmlns="" val="1053039674"/>
       </p:ext>
     </p:extLst>
   </p:cSld>
@@ -3083,7 +3072,7 @@
                 </a:solidFill>
               </a:rPr>
               <a:pPr/>
-              <a:t>9/15/2011</a:t>
+              <a:t>9/19/2011</a:t>
             </a:fld>
             <a:endParaRPr lang="en-US">
               <a:solidFill>
@@ -3159,7 +3148,7 @@
     </p:spTree>
     <p:extLst>
       <p:ext uri="{BB962C8B-B14F-4D97-AF65-F5344CB8AC3E}">
-        <p14:creationId xmlns:p14="http://schemas.microsoft.com/office/powerpoint/2010/main" val="1270071689"/>
+        <p14:creationId xmlns:p14="http://schemas.microsoft.com/office/powerpoint/2010/main" xmlns="" val="1270071689"/>
       </p:ext>
     </p:extLst>
   </p:cSld>
@@ -3295,7 +3284,7 @@
                 </a:solidFill>
               </a:rPr>
               <a:pPr/>
-              <a:t>9/15/2011</a:t>
+              <a:t>9/19/2011</a:t>
             </a:fld>
             <a:endParaRPr lang="en-US">
               <a:solidFill>
@@ -3371,7 +3360,7 @@
     </p:spTree>
     <p:extLst>
       <p:ext uri="{BB962C8B-B14F-4D97-AF65-F5344CB8AC3E}">
-        <p14:creationId xmlns:p14="http://schemas.microsoft.com/office/powerpoint/2010/main" val="1397104184"/>
+        <p14:creationId xmlns:p14="http://schemas.microsoft.com/office/powerpoint/2010/main" xmlns="" val="1397104184"/>
       </p:ext>
     </p:extLst>
   </p:cSld>
@@ -3497,7 +3486,7 @@
                 </a:solidFill>
               </a:rPr>
               <a:pPr/>
-              <a:t>9/15/2011</a:t>
+              <a:t>9/19/2011</a:t>
             </a:fld>
             <a:endParaRPr lang="en-US">
               <a:solidFill>
@@ -3573,7 +3562,7 @@
     </p:spTree>
     <p:extLst>
       <p:ext uri="{BB962C8B-B14F-4D97-AF65-F5344CB8AC3E}">
-        <p14:creationId xmlns:p14="http://schemas.microsoft.com/office/powerpoint/2010/main" val="2052209535"/>
+        <p14:creationId xmlns:p14="http://schemas.microsoft.com/office/powerpoint/2010/main" xmlns="" val="2052209535"/>
       </p:ext>
     </p:extLst>
   </p:cSld>
@@ -3775,7 +3764,7 @@
                 </a:solidFill>
               </a:rPr>
               <a:pPr/>
-              <a:t>9/15/2011</a:t>
+              <a:t>9/19/2011</a:t>
             </a:fld>
             <a:endParaRPr lang="en-US">
               <a:solidFill>
@@ -3851,7 +3840,7 @@
     </p:spTree>
     <p:extLst>
       <p:ext uri="{BB962C8B-B14F-4D97-AF65-F5344CB8AC3E}">
-        <p14:creationId xmlns:p14="http://schemas.microsoft.com/office/powerpoint/2010/main" val="700848067"/>
+        <p14:creationId xmlns:p14="http://schemas.microsoft.com/office/powerpoint/2010/main" xmlns="" val="700848067"/>
       </p:ext>
     </p:extLst>
   </p:cSld>
@@ -4095,7 +4084,7 @@
                 </a:solidFill>
               </a:rPr>
               <a:pPr/>
-              <a:t>9/15/2011</a:t>
+              <a:t>9/19/2011</a:t>
             </a:fld>
             <a:endParaRPr lang="en-US">
               <a:solidFill>
@@ -4171,7 +4160,7 @@
     </p:spTree>
     <p:extLst>
       <p:ext uri="{BB962C8B-B14F-4D97-AF65-F5344CB8AC3E}">
-        <p14:creationId xmlns:p14="http://schemas.microsoft.com/office/powerpoint/2010/main" val="2333732383"/>
+        <p14:creationId xmlns:p14="http://schemas.microsoft.com/office/powerpoint/2010/main" xmlns="" val="2333732383"/>
       </p:ext>
     </p:extLst>
   </p:cSld>
@@ -4549,7 +4538,7 @@
                 </a:solidFill>
               </a:rPr>
               <a:pPr/>
-              <a:t>9/15/2011</a:t>
+              <a:t>9/19/2011</a:t>
             </a:fld>
             <a:endParaRPr lang="en-US">
               <a:solidFill>
@@ -4625,7 +4614,7 @@
     </p:spTree>
     <p:extLst>
       <p:ext uri="{BB962C8B-B14F-4D97-AF65-F5344CB8AC3E}">
-        <p14:creationId xmlns:p14="http://schemas.microsoft.com/office/powerpoint/2010/main" val="1868228857"/>
+        <p14:creationId xmlns:p14="http://schemas.microsoft.com/office/powerpoint/2010/main" xmlns="" val="1868228857"/>
       </p:ext>
     </p:extLst>
   </p:cSld>
@@ -4699,7 +4688,7 @@
                 </a:solidFill>
               </a:rPr>
               <a:pPr/>
-              <a:t>9/15/2011</a:t>
+              <a:t>9/19/2011</a:t>
             </a:fld>
             <a:endParaRPr lang="en-US">
               <a:solidFill>
@@ -4775,7 +4764,7 @@
     </p:spTree>
     <p:extLst>
       <p:ext uri="{BB962C8B-B14F-4D97-AF65-F5344CB8AC3E}">
-        <p14:creationId xmlns:p14="http://schemas.microsoft.com/office/powerpoint/2010/main" val="3493117512"/>
+        <p14:creationId xmlns:p14="http://schemas.microsoft.com/office/powerpoint/2010/main" xmlns="" val="3493117512"/>
       </p:ext>
     </p:extLst>
   </p:cSld>
@@ -4826,7 +4815,7 @@
                 </a:solidFill>
               </a:rPr>
               <a:pPr/>
-              <a:t>9/15/2011</a:t>
+              <a:t>9/19/2011</a:t>
             </a:fld>
             <a:endParaRPr lang="en-US">
               <a:solidFill>
@@ -4902,7 +4891,7 @@
     </p:spTree>
     <p:extLst>
       <p:ext uri="{BB962C8B-B14F-4D97-AF65-F5344CB8AC3E}">
-        <p14:creationId xmlns:p14="http://schemas.microsoft.com/office/powerpoint/2010/main" val="55831848"/>
+        <p14:creationId xmlns:p14="http://schemas.microsoft.com/office/powerpoint/2010/main" xmlns="" val="55831848"/>
       </p:ext>
     </p:extLst>
   </p:cSld>
@@ -5135,7 +5124,7 @@
                 </a:solidFill>
               </a:rPr>
               <a:pPr/>
-              <a:t>9/15/2011</a:t>
+              <a:t>9/19/2011</a:t>
             </a:fld>
             <a:endParaRPr lang="en-US">
               <a:solidFill>
@@ -5211,7 +5200,7 @@
     </p:spTree>
     <p:extLst>
       <p:ext uri="{BB962C8B-B14F-4D97-AF65-F5344CB8AC3E}">
-        <p14:creationId xmlns:p14="http://schemas.microsoft.com/office/powerpoint/2010/main" val="4269593650"/>
+        <p14:creationId xmlns:p14="http://schemas.microsoft.com/office/powerpoint/2010/main" xmlns="" val="4269593650"/>
       </p:ext>
     </p:extLst>
   </p:cSld>
@@ -5420,7 +5409,7 @@
                 </a:solidFill>
               </a:rPr>
               <a:pPr/>
-              <a:t>9/15/2011</a:t>
+              <a:t>9/19/2011</a:t>
             </a:fld>
             <a:endParaRPr lang="en-US">
               <a:solidFill>
@@ -5496,7 +5485,7 @@
     </p:spTree>
     <p:extLst>
       <p:ext uri="{BB962C8B-B14F-4D97-AF65-F5344CB8AC3E}">
-        <p14:creationId xmlns:p14="http://schemas.microsoft.com/office/powerpoint/2010/main" val="3429307463"/>
+        <p14:creationId xmlns:p14="http://schemas.microsoft.com/office/powerpoint/2010/main" xmlns="" val="3429307463"/>
       </p:ext>
     </p:extLst>
   </p:cSld>
@@ -5674,7 +5663,7 @@
                 </a:solidFill>
               </a:rPr>
               <a:pPr/>
-              <a:t>9/15/2011</a:t>
+              <a:t>9/19/2011</a:t>
             </a:fld>
             <a:endParaRPr lang="en-US">
               <a:solidFill>
@@ -5786,7 +5775,7 @@
     </p:spTree>
     <p:extLst>
       <p:ext uri="{BB962C8B-B14F-4D97-AF65-F5344CB8AC3E}">
-        <p14:creationId xmlns:p14="http://schemas.microsoft.com/office/powerpoint/2010/main" val="4101540237"/>
+        <p14:creationId xmlns:p14="http://schemas.microsoft.com/office/powerpoint/2010/main" xmlns="" val="4101540237"/>
       </p:ext>
     </p:extLst>
   </p:cSld>
@@ -6180,18 +6169,13 @@
               </a:rPr>
               <a:t>Acknowledgments: Alan Wood, Bill Heffernan</a:t>
             </a:r>
-            <a:endParaRPr lang="en-NZ" dirty="0">
-              <a:solidFill>
-                <a:schemeClr val="bg1"/>
-              </a:solidFill>
-            </a:endParaRPr>
           </a:p>
         </p:txBody>
       </p:sp>
     </p:spTree>
     <p:extLst>
       <p:ext uri="{BB962C8B-B14F-4D97-AF65-F5344CB8AC3E}">
-        <p14:creationId xmlns:p14="http://schemas.microsoft.com/office/powerpoint/2010/main" val="2159322064"/>
+        <p14:creationId xmlns:p14="http://schemas.microsoft.com/office/powerpoint/2010/main" xmlns="" val="2159322064"/>
       </p:ext>
     </p:extLst>
   </p:cSld>
@@ -7050,7 +7034,7 @@
     </p:spTree>
     <p:extLst>
       <p:ext uri="{BB962C8B-B14F-4D97-AF65-F5344CB8AC3E}">
-        <p14:creationId xmlns:p14="http://schemas.microsoft.com/office/powerpoint/2010/main" val="1201701087"/>
+        <p14:creationId xmlns:p14="http://schemas.microsoft.com/office/powerpoint/2010/main" xmlns="" val="1201701087"/>
       </p:ext>
     </p:extLst>
   </p:cSld>
@@ -7197,11 +7181,6 @@
               </a:rPr>
               <a:t>19:1</a:t>
             </a:r>
-            <a:endParaRPr lang="en-NZ" dirty="0" smtClean="0">
-              <a:solidFill>
-                <a:schemeClr val="bg1"/>
-              </a:solidFill>
-            </a:endParaRPr>
           </a:p>
           <a:p>
             <a:r>
@@ -7253,7 +7232,7 @@
     </p:spTree>
     <p:extLst>
       <p:ext uri="{BB962C8B-B14F-4D97-AF65-F5344CB8AC3E}">
-        <p14:creationId xmlns:p14="http://schemas.microsoft.com/office/powerpoint/2010/main" val="3043069130"/>
+        <p14:creationId xmlns:p14="http://schemas.microsoft.com/office/powerpoint/2010/main" xmlns="" val="3043069130"/>
       </p:ext>
     </p:extLst>
   </p:cSld>
@@ -7384,7 +7363,7 @@
           <p:nvPr>
             <p:extLst>
               <p:ext uri="{D42A27DB-BD31-4B8C-83A1-F6EECF244321}">
-                <p14:modId xmlns:p14="http://schemas.microsoft.com/office/powerpoint/2010/main" val="2578155627"/>
+                <p14:modId xmlns:p14="http://schemas.microsoft.com/office/powerpoint/2010/main" xmlns="" val="2578155627"/>
               </p:ext>
             </p:extLst>
           </p:nvPr>
@@ -7395,58 +7374,16 @@
         </p:xfrm>
         <a:graphic>
           <a:graphicData uri="http://schemas.openxmlformats.org/presentationml/2006/ole">
-            <mc:AlternateContent xmlns:mc="http://schemas.openxmlformats.org/markup-compatibility/2006">
-              <mc:Choice xmlns:v="urn:schemas-microsoft-com:vml" Requires="v">
-                <p:oleObj spid="_x0000_s4100" name="Visio" r:id="rId4" imgW="6066728" imgH="858215" progId="">
-                  <p:embed/>
-                </p:oleObj>
-              </mc:Choice>
-              <mc:Fallback>
-                <p:oleObj name="Visio" r:id="rId4" imgW="6066728" imgH="858215" progId="">
-                  <p:embed/>
-                  <p:pic>
-                    <p:nvPicPr>
-                      <p:cNvPr id="0" name=""/>
-                      <p:cNvPicPr>
-                        <a:picLocks noChangeAspect="1" noChangeArrowheads="1"/>
-                      </p:cNvPicPr>
-                      <p:nvPr/>
-                    </p:nvPicPr>
-                    <p:blipFill>
-                      <a:blip r:embed="rId5">
-                        <a:extLst>
-                          <a:ext uri="{28A0092B-C50C-407E-A947-70E740481C1C}">
-                            <a14:useLocalDpi xmlns:a14="http://schemas.microsoft.com/office/drawing/2010/main" val="0"/>
-                          </a:ext>
-                        </a:extLst>
-                      </a:blip>
-                      <a:srcRect/>
-                      <a:stretch>
-                        <a:fillRect/>
-                      </a:stretch>
-                    </p:blipFill>
-                    <p:spPr bwMode="auto">
-                      <a:xfrm>
-                        <a:off x="755576" y="2852936"/>
-                        <a:ext cx="7644849" cy="1080120"/>
-                      </a:xfrm>
-                      <a:prstGeom prst="rect">
-                        <a:avLst/>
-                      </a:prstGeom>
-                      <a:noFill/>
-                      <a:extLst/>
-                    </p:spPr>
-                  </p:pic>
-                </p:oleObj>
-              </mc:Fallback>
-            </mc:AlternateContent>
+            <p:oleObj spid="_x0000_s4100" name="Visio" r:id="rId4" imgW="6066728" imgH="858215" progId="">
+              <p:embed/>
+            </p:oleObj>
           </a:graphicData>
         </a:graphic>
       </p:graphicFrame>
     </p:spTree>
     <p:extLst>
       <p:ext uri="{BB962C8B-B14F-4D97-AF65-F5344CB8AC3E}">
-        <p14:creationId xmlns:p14="http://schemas.microsoft.com/office/powerpoint/2010/main" val="3672211818"/>
+        <p14:creationId xmlns:p14="http://schemas.microsoft.com/office/powerpoint/2010/main" xmlns="" val="3672211818"/>
       </p:ext>
     </p:extLst>
   </p:cSld>
@@ -7532,7 +7469,7 @@
           </a:ln>
           <a:extLst>
             <a:ext uri="{53640926-AAD7-44D8-BBD7-CCE9431645EC}">
-              <a14:shadowObscured xmlns:a14="http://schemas.microsoft.com/office/drawing/2010/main"/>
+              <a14:shadowObscured xmlns:a14="http://schemas.microsoft.com/office/drawing/2010/main" xmlns=""/>
             </a:ext>
           </a:extLst>
         </p:spPr>
@@ -7540,7 +7477,7 @@
     </p:spTree>
     <p:extLst>
       <p:ext uri="{BB962C8B-B14F-4D97-AF65-F5344CB8AC3E}">
-        <p14:creationId xmlns:p14="http://schemas.microsoft.com/office/powerpoint/2010/main" val="7013402"/>
+        <p14:creationId xmlns:p14="http://schemas.microsoft.com/office/powerpoint/2010/main" xmlns="" val="7013402"/>
       </p:ext>
     </p:extLst>
   </p:cSld>
@@ -8152,7 +8089,7 @@
     </p:spTree>
     <p:extLst>
       <p:ext uri="{BB962C8B-B14F-4D97-AF65-F5344CB8AC3E}">
-        <p14:creationId xmlns:p14="http://schemas.microsoft.com/office/powerpoint/2010/main" val="992785411"/>
+        <p14:creationId xmlns:p14="http://schemas.microsoft.com/office/powerpoint/2010/main" xmlns="" val="992785411"/>
       </p:ext>
     </p:extLst>
   </p:cSld>
@@ -8274,7 +8211,7 @@
     </p:spTree>
     <p:extLst>
       <p:ext uri="{BB962C8B-B14F-4D97-AF65-F5344CB8AC3E}">
-        <p14:creationId xmlns:p14="http://schemas.microsoft.com/office/powerpoint/2010/main" val="1500320497"/>
+        <p14:creationId xmlns:p14="http://schemas.microsoft.com/office/powerpoint/2010/main" xmlns="" val="1500320497"/>
       </p:ext>
     </p:extLst>
   </p:cSld>
@@ -8392,11 +8329,6 @@
               </a:rPr>
               <a:t>Different Generator may be required.</a:t>
             </a:r>
-            <a:endParaRPr lang="en-US" dirty="0" smtClean="0">
-              <a:solidFill>
-                <a:schemeClr val="bg1"/>
-              </a:solidFill>
-            </a:endParaRPr>
           </a:p>
           <a:p>
             <a:endParaRPr lang="en-US" dirty="0" smtClean="0">
@@ -8423,7 +8355,7 @@
     </p:spTree>
     <p:extLst>
       <p:ext uri="{BB962C8B-B14F-4D97-AF65-F5344CB8AC3E}">
-        <p14:creationId xmlns:p14="http://schemas.microsoft.com/office/powerpoint/2010/main" val="1056299876"/>
+        <p14:creationId xmlns:p14="http://schemas.microsoft.com/office/powerpoint/2010/main" xmlns="" val="1056299876"/>
       </p:ext>
     </p:extLst>
   </p:cSld>
@@ -8489,7 +8421,7 @@
     </p:spTree>
     <p:extLst>
       <p:ext uri="{BB962C8B-B14F-4D97-AF65-F5344CB8AC3E}">
-        <p14:creationId xmlns:p14="http://schemas.microsoft.com/office/powerpoint/2010/main" val="1766240157"/>
+        <p14:creationId xmlns:p14="http://schemas.microsoft.com/office/powerpoint/2010/main" xmlns="" val="1766240157"/>
       </p:ext>
     </p:extLst>
   </p:cSld>
@@ -8608,7 +8540,7 @@
     </p:spTree>
     <p:extLst>
       <p:ext uri="{BB962C8B-B14F-4D97-AF65-F5344CB8AC3E}">
-        <p14:creationId xmlns:p14="http://schemas.microsoft.com/office/powerpoint/2010/main" val="1369411006"/>
+        <p14:creationId xmlns:p14="http://schemas.microsoft.com/office/powerpoint/2010/main" xmlns="" val="1369411006"/>
       </p:ext>
     </p:extLst>
   </p:cSld>
@@ -8728,7 +8660,7 @@
     </p:spTree>
     <p:extLst>
       <p:ext uri="{BB962C8B-B14F-4D97-AF65-F5344CB8AC3E}">
-        <p14:creationId xmlns:p14="http://schemas.microsoft.com/office/powerpoint/2010/main" val="467426380"/>
+        <p14:creationId xmlns:p14="http://schemas.microsoft.com/office/powerpoint/2010/main" xmlns="" val="467426380"/>
       </p:ext>
     </p:extLst>
   </p:cSld>
@@ -8799,7 +8731,7 @@
         <p:spPr/>
         <p:txBody>
           <a:bodyPr>
-            <a:normAutofit fontScale="85000" lnSpcReduction="10000"/>
+            <a:normAutofit/>
           </a:bodyPr>
           <a:lstStyle/>
           <a:p>
@@ -8843,55 +8775,6 @@
                 </a:solidFill>
               </a:rPr>
               <a:t>Withstanding corrosion from salt water</a:t>
-            </a:r>
-          </a:p>
-          <a:p>
-            <a:pPr lvl="1"/>
-            <a:r>
-              <a:rPr lang="en-US" sz="3200" dirty="0">
-                <a:solidFill>
-                  <a:schemeClr val="bg1"/>
-                </a:solidFill>
-              </a:rPr>
-              <a:t>No turning functionality</a:t>
-            </a:r>
-          </a:p>
-          <a:p>
-            <a:pPr lvl="1"/>
-            <a:r>
-              <a:rPr lang="en-US" sz="3200" dirty="0">
-                <a:solidFill>
-                  <a:schemeClr val="bg1"/>
-                </a:solidFill>
-              </a:rPr>
-              <a:t>No control </a:t>
-            </a:r>
-            <a:r>
-              <a:rPr lang="en-US" sz="3200" dirty="0" err="1">
-                <a:solidFill>
-                  <a:schemeClr val="bg1"/>
-                </a:solidFill>
-              </a:rPr>
-              <a:t>ie</a:t>
-            </a:r>
-            <a:r>
-              <a:rPr lang="en-US" sz="3200" dirty="0">
-                <a:solidFill>
-                  <a:schemeClr val="bg1"/>
-                </a:solidFill>
-              </a:rPr>
-              <a:t>. goes forward when has power, idle otherwise</a:t>
-            </a:r>
-          </a:p>
-          <a:p>
-            <a:pPr lvl="1"/>
-            <a:r>
-              <a:rPr lang="en-US" sz="3200" dirty="0">
-                <a:solidFill>
-                  <a:schemeClr val="bg1"/>
-                </a:solidFill>
-              </a:rPr>
-              <a:t>These things to be added after initial design proven</a:t>
             </a:r>
           </a:p>
           <a:p>
@@ -8914,7 +8797,7 @@
     </p:spTree>
     <p:extLst>
       <p:ext uri="{BB962C8B-B14F-4D97-AF65-F5344CB8AC3E}">
-        <p14:creationId xmlns:p14="http://schemas.microsoft.com/office/powerpoint/2010/main" val="4083383240"/>
+        <p14:creationId xmlns:p14="http://schemas.microsoft.com/office/powerpoint/2010/main" xmlns="" val="4083383240"/>
       </p:ext>
     </p:extLst>
   </p:cSld>
@@ -9074,7 +8957,7 @@
     </p:spTree>
     <p:extLst>
       <p:ext uri="{BB962C8B-B14F-4D97-AF65-F5344CB8AC3E}">
-        <p14:creationId xmlns:p14="http://schemas.microsoft.com/office/powerpoint/2010/main" val="3541060296"/>
+        <p14:creationId xmlns:p14="http://schemas.microsoft.com/office/powerpoint/2010/main" xmlns="" val="3541060296"/>
       </p:ext>
     </p:extLst>
   </p:cSld>
@@ -9190,7 +9073,7 @@
     </p:spTree>
     <p:extLst>
       <p:ext uri="{BB962C8B-B14F-4D97-AF65-F5344CB8AC3E}">
-        <p14:creationId xmlns:p14="http://schemas.microsoft.com/office/powerpoint/2010/main" val="4189870048"/>
+        <p14:creationId xmlns:p14="http://schemas.microsoft.com/office/powerpoint/2010/main" xmlns="" val="4189870048"/>
       </p:ext>
     </p:extLst>
   </p:cSld>
@@ -9295,7 +9178,7 @@
           <p:nvPr>
             <p:extLst>
               <p:ext uri="{D42A27DB-BD31-4B8C-83A1-F6EECF244321}">
-                <p14:modId xmlns:p14="http://schemas.microsoft.com/office/powerpoint/2010/main" val="3354502120"/>
+                <p14:modId xmlns:p14="http://schemas.microsoft.com/office/powerpoint/2010/main" xmlns="" val="3354502120"/>
               </p:ext>
             </p:extLst>
           </p:nvPr>
@@ -9306,59 +9189,9 @@
         </p:xfrm>
         <a:graphic>
           <a:graphicData uri="http://schemas.openxmlformats.org/presentationml/2006/ole">
-            <mc:AlternateContent xmlns:mc="http://schemas.openxmlformats.org/markup-compatibility/2006">
-              <mc:Choice xmlns:v="urn:schemas-microsoft-com:vml" Requires="v">
-                <p:oleObj spid="_x0000_s1043" r:id="rId4" imgW="6686839" imgH="583316" progId="">
-                  <p:embed/>
-                </p:oleObj>
-              </mc:Choice>
-              <mc:Fallback>
-                <p:oleObj r:id="rId4" imgW="6686839" imgH="583316" progId="">
-                  <p:embed/>
-                  <p:pic>
-                    <p:nvPicPr>
-                      <p:cNvPr id="0" name="Picture 10"/>
-                      <p:cNvPicPr>
-                        <a:picLocks noChangeAspect="1" noChangeArrowheads="1"/>
-                      </p:cNvPicPr>
-                      <p:nvPr/>
-                    </p:nvPicPr>
-                    <p:blipFill>
-                      <a:blip r:embed="rId5">
-                        <a:extLst>
-                          <a:ext uri="{28A0092B-C50C-407E-A947-70E740481C1C}">
-                            <a14:useLocalDpi xmlns:a14="http://schemas.microsoft.com/office/drawing/2010/main" val="0"/>
-                          </a:ext>
-                        </a:extLst>
-                      </a:blip>
-                      <a:srcRect/>
-                      <a:stretch>
-                        <a:fillRect/>
-                      </a:stretch>
-                    </p:blipFill>
-                    <p:spPr bwMode="auto">
-                      <a:xfrm>
-                        <a:off x="539552" y="2708920"/>
-                        <a:ext cx="7862207" cy="685800"/>
-                      </a:xfrm>
-                      <a:prstGeom prst="rect">
-                        <a:avLst/>
-                      </a:prstGeom>
-                      <a:noFill/>
-                      <a:extLst>
-                        <a:ext uri="{909E8E84-426E-40DD-AFC4-6F175D3DCCD1}">
-                          <a14:hiddenFill xmlns:a14="http://schemas.microsoft.com/office/drawing/2010/main">
-                            <a:solidFill>
-                              <a:srgbClr val="FFFFFF"/>
-                            </a:solidFill>
-                          </a14:hiddenFill>
-                        </a:ext>
-                      </a:extLst>
-                    </p:spPr>
-                  </p:pic>
-                </p:oleObj>
-              </mc:Fallback>
-            </mc:AlternateContent>
+            <p:oleObj spid="_x0000_s1043" r:id="rId4" imgW="6686839" imgH="583316" progId="">
+              <p:embed/>
+            </p:oleObj>
           </a:graphicData>
         </a:graphic>
       </p:graphicFrame>
@@ -9520,7 +9353,7 @@
     </p:spTree>
     <p:extLst>
       <p:ext uri="{BB962C8B-B14F-4D97-AF65-F5344CB8AC3E}">
-        <p14:creationId xmlns:p14="http://schemas.microsoft.com/office/powerpoint/2010/main" val="2616248011"/>
+        <p14:creationId xmlns:p14="http://schemas.microsoft.com/office/powerpoint/2010/main" xmlns="" val="2616248011"/>
       </p:ext>
     </p:extLst>
   </p:cSld>
@@ -9783,7 +9616,7 @@
     </p:spTree>
     <p:extLst>
       <p:ext uri="{BB962C8B-B14F-4D97-AF65-F5344CB8AC3E}">
-        <p14:creationId xmlns:p14="http://schemas.microsoft.com/office/powerpoint/2010/main" val="535781296"/>
+        <p14:creationId xmlns:p14="http://schemas.microsoft.com/office/powerpoint/2010/main" xmlns="" val="535781296"/>
       </p:ext>
     </p:extLst>
   </p:cSld>
@@ -9848,7 +9681,7 @@
           <p:nvPr>
             <p:extLst>
               <p:ext uri="{D42A27DB-BD31-4B8C-83A1-F6EECF244321}">
-                <p14:modId xmlns:p14="http://schemas.microsoft.com/office/powerpoint/2010/main" val="2050245842"/>
+                <p14:modId xmlns:p14="http://schemas.microsoft.com/office/powerpoint/2010/main" xmlns="" val="2050245842"/>
               </p:ext>
             </p:extLst>
           </p:nvPr>
@@ -9866,7 +9699,7 @@
     </p:spTree>
     <p:extLst>
       <p:ext uri="{BB962C8B-B14F-4D97-AF65-F5344CB8AC3E}">
-        <p14:creationId xmlns:p14="http://schemas.microsoft.com/office/powerpoint/2010/main" val="2823376196"/>
+        <p14:creationId xmlns:p14="http://schemas.microsoft.com/office/powerpoint/2010/main" xmlns="" val="2823376196"/>
       </p:ext>
     </p:extLst>
   </p:cSld>
